--- a/lectures/lecture1/lecture1.pptx
+++ b/lectures/lecture1/lecture1.pptx
@@ -128,8 +128,7 @@
 <file path=ppt/revisionInfo.xml><?xml version="1.0" encoding="utf-8"?>
 <p1510:revInfo xmlns:a="http://schemas.openxmlformats.org/drawingml/2006/main" xmlns:r="http://schemas.openxmlformats.org/officeDocument/2006/relationships" xmlns:p1510="http://schemas.microsoft.com/office/powerpoint/2015/10/main">
   <p1510:revLst>
-    <p1510:client id="{37569ED3-DC3B-4185-A6C9-A680BC4FF65E}" v="6" dt="2022-09-07T21:15:33.297"/>
-    <p1510:client id="{6885D97D-DF08-492D-8F0D-BFFB0D683B34}" v="5" dt="2022-09-07T06:06:50.461"/>
+    <p1510:client id="{3A83232C-C1EB-4990-8FFD-222AEA5F0282}" v="109" dt="2024-05-17T23:53:10.292"/>
   </p1510:revLst>
 </p1510:revInfo>
 </file>
@@ -1442,6 +1441,137 @@
       </pc:sldChg>
     </pc:docChg>
   </pc:docChgLst>
+  <pc:docChgLst>
+    <pc:chgData name="Toby Donaldson" userId="2e6e5431-bb17-4c41-9985-d39c50d83c73" providerId="ADAL" clId="{3A83232C-C1EB-4990-8FFD-222AEA5F0282}"/>
+    <pc:docChg chg="undo redo custSel modSld">
+      <pc:chgData name="Toby Donaldson" userId="2e6e5431-bb17-4c41-9985-d39c50d83c73" providerId="ADAL" clId="{3A83232C-C1EB-4990-8FFD-222AEA5F0282}" dt="2024-05-17T23:54:43.635" v="127" actId="21"/>
+      <pc:docMkLst>
+        <pc:docMk/>
+      </pc:docMkLst>
+      <pc:sldChg chg="addSp delSp modSp mod delAnim">
+        <pc:chgData name="Toby Donaldson" userId="2e6e5431-bb17-4c41-9985-d39c50d83c73" providerId="ADAL" clId="{3A83232C-C1EB-4990-8FFD-222AEA5F0282}" dt="2024-05-17T23:50:49.920" v="57" actId="1076"/>
+        <pc:sldMkLst>
+          <pc:docMk/>
+          <pc:sldMk cId="3585784119" sldId="260"/>
+        </pc:sldMkLst>
+        <pc:spChg chg="mod">
+          <ac:chgData name="Toby Donaldson" userId="2e6e5431-bb17-4c41-9985-d39c50d83c73" providerId="ADAL" clId="{3A83232C-C1EB-4990-8FFD-222AEA5F0282}" dt="2024-05-17T23:50:49.920" v="57" actId="1076"/>
+          <ac:spMkLst>
+            <pc:docMk/>
+            <pc:sldMk cId="3585784119" sldId="260"/>
+            <ac:spMk id="4" creationId="{A42033F9-FA85-D3C1-E3FB-F8355BBC683D}"/>
+          </ac:spMkLst>
+        </pc:spChg>
+        <pc:spChg chg="mod">
+          <ac:chgData name="Toby Donaldson" userId="2e6e5431-bb17-4c41-9985-d39c50d83c73" providerId="ADAL" clId="{3A83232C-C1EB-4990-8FFD-222AEA5F0282}" dt="2024-05-17T23:49:15.575" v="50" actId="20577"/>
+          <ac:spMkLst>
+            <pc:docMk/>
+            <pc:sldMk cId="3585784119" sldId="260"/>
+            <ac:spMk id="6" creationId="{26E11BE6-978C-CED4-710D-7A534E823DF9}"/>
+          </ac:spMkLst>
+        </pc:spChg>
+        <pc:picChg chg="del">
+          <ac:chgData name="Toby Donaldson" userId="2e6e5431-bb17-4c41-9985-d39c50d83c73" providerId="ADAL" clId="{3A83232C-C1EB-4990-8FFD-222AEA5F0282}" dt="2024-05-17T23:50:24.601" v="51" actId="21"/>
+          <ac:picMkLst>
+            <pc:docMk/>
+            <pc:sldMk cId="3585784119" sldId="260"/>
+            <ac:picMk id="5" creationId="{4BDA94C2-EDE1-0A41-4C52-C5552871B95E}"/>
+          </ac:picMkLst>
+        </pc:picChg>
+        <pc:picChg chg="add mod ord">
+          <ac:chgData name="Toby Donaldson" userId="2e6e5431-bb17-4c41-9985-d39c50d83c73" providerId="ADAL" clId="{3A83232C-C1EB-4990-8FFD-222AEA5F0282}" dt="2024-05-17T23:50:44.412" v="56" actId="167"/>
+          <ac:picMkLst>
+            <pc:docMk/>
+            <pc:sldMk cId="3585784119" sldId="260"/>
+            <ac:picMk id="10" creationId="{D60E7A15-7C3F-AAD8-F22D-CA26B9AFDECA}"/>
+          </ac:picMkLst>
+        </pc:picChg>
+      </pc:sldChg>
+      <pc:sldChg chg="modSp mod">
+        <pc:chgData name="Toby Donaldson" userId="2e6e5431-bb17-4c41-9985-d39c50d83c73" providerId="ADAL" clId="{3A83232C-C1EB-4990-8FFD-222AEA5F0282}" dt="2024-05-17T23:51:56.120" v="58" actId="14100"/>
+        <pc:sldMkLst>
+          <pc:docMk/>
+          <pc:sldMk cId="2302316879" sldId="264"/>
+        </pc:sldMkLst>
+        <pc:spChg chg="mod">
+          <ac:chgData name="Toby Donaldson" userId="2e6e5431-bb17-4c41-9985-d39c50d83c73" providerId="ADAL" clId="{3A83232C-C1EB-4990-8FFD-222AEA5F0282}" dt="2024-05-17T23:51:56.120" v="58" actId="14100"/>
+          <ac:spMkLst>
+            <pc:docMk/>
+            <pc:sldMk cId="2302316879" sldId="264"/>
+            <ac:spMk id="3" creationId="{750B4E07-1F51-7A75-5ADD-878AD0E7F13F}"/>
+          </ac:spMkLst>
+        </pc:spChg>
+      </pc:sldChg>
+      <pc:sldChg chg="modSp">
+        <pc:chgData name="Toby Donaldson" userId="2e6e5431-bb17-4c41-9985-d39c50d83c73" providerId="ADAL" clId="{3A83232C-C1EB-4990-8FFD-222AEA5F0282}" dt="2024-05-17T23:49:00.801" v="48" actId="20577"/>
+        <pc:sldMkLst>
+          <pc:docMk/>
+          <pc:sldMk cId="3691972647" sldId="266"/>
+        </pc:sldMkLst>
+        <pc:spChg chg="mod">
+          <ac:chgData name="Toby Donaldson" userId="2e6e5431-bb17-4c41-9985-d39c50d83c73" providerId="ADAL" clId="{3A83232C-C1EB-4990-8FFD-222AEA5F0282}" dt="2024-05-17T23:49:00.801" v="48" actId="20577"/>
+          <ac:spMkLst>
+            <pc:docMk/>
+            <pc:sldMk cId="3691972647" sldId="266"/>
+            <ac:spMk id="3" creationId="{8A0A9384-F965-0AE8-7664-14EAF74DF525}"/>
+          </ac:spMkLst>
+        </pc:spChg>
+      </pc:sldChg>
+      <pc:sldChg chg="delSp modSp mod">
+        <pc:chgData name="Toby Donaldson" userId="2e6e5431-bb17-4c41-9985-d39c50d83c73" providerId="ADAL" clId="{3A83232C-C1EB-4990-8FFD-222AEA5F0282}" dt="2024-05-17T23:54:43.635" v="127" actId="21"/>
+        <pc:sldMkLst>
+          <pc:docMk/>
+          <pc:sldMk cId="944526482" sldId="267"/>
+        </pc:sldMkLst>
+        <pc:spChg chg="mod">
+          <ac:chgData name="Toby Donaldson" userId="2e6e5431-bb17-4c41-9985-d39c50d83c73" providerId="ADAL" clId="{3A83232C-C1EB-4990-8FFD-222AEA5F0282}" dt="2024-05-17T23:46:35.773" v="1" actId="20577"/>
+          <ac:spMkLst>
+            <pc:docMk/>
+            <pc:sldMk cId="944526482" sldId="267"/>
+            <ac:spMk id="3" creationId="{04D6BD75-FEF5-C920-E8E8-A5CF171F9AD6}"/>
+          </ac:spMkLst>
+        </pc:spChg>
+        <pc:spChg chg="del mod">
+          <ac:chgData name="Toby Donaldson" userId="2e6e5431-bb17-4c41-9985-d39c50d83c73" providerId="ADAL" clId="{3A83232C-C1EB-4990-8FFD-222AEA5F0282}" dt="2024-05-17T23:54:43.635" v="127" actId="21"/>
+          <ac:spMkLst>
+            <pc:docMk/>
+            <pc:sldMk cId="944526482" sldId="267"/>
+            <ac:spMk id="8" creationId="{ABCA6657-EE10-F065-9708-622B02609F2F}"/>
+          </ac:spMkLst>
+        </pc:spChg>
+      </pc:sldChg>
+      <pc:sldChg chg="modSp">
+        <pc:chgData name="Toby Donaldson" userId="2e6e5431-bb17-4c41-9985-d39c50d83c73" providerId="ADAL" clId="{3A83232C-C1EB-4990-8FFD-222AEA5F0282}" dt="2024-05-17T23:53:10.292" v="126" actId="20577"/>
+        <pc:sldMkLst>
+          <pc:docMk/>
+          <pc:sldMk cId="2069204258" sldId="270"/>
+        </pc:sldMkLst>
+        <pc:spChg chg="mod">
+          <ac:chgData name="Toby Donaldson" userId="2e6e5431-bb17-4c41-9985-d39c50d83c73" providerId="ADAL" clId="{3A83232C-C1EB-4990-8FFD-222AEA5F0282}" dt="2024-05-17T23:53:10.292" v="126" actId="20577"/>
+          <ac:spMkLst>
+            <pc:docMk/>
+            <pc:sldMk cId="2069204258" sldId="270"/>
+            <ac:spMk id="3" creationId="{1830FAE5-685F-9F19-A59F-F1720B12E9A4}"/>
+          </ac:spMkLst>
+        </pc:spChg>
+      </pc:sldChg>
+      <pc:sldChg chg="modSp mod">
+        <pc:chgData name="Toby Donaldson" userId="2e6e5431-bb17-4c41-9985-d39c50d83c73" providerId="ADAL" clId="{3A83232C-C1EB-4990-8FFD-222AEA5F0282}" dt="2024-05-17T23:47:54.035" v="13" actId="20577"/>
+        <pc:sldMkLst>
+          <pc:docMk/>
+          <pc:sldMk cId="2370908068" sldId="271"/>
+        </pc:sldMkLst>
+        <pc:spChg chg="mod">
+          <ac:chgData name="Toby Donaldson" userId="2e6e5431-bb17-4c41-9985-d39c50d83c73" providerId="ADAL" clId="{3A83232C-C1EB-4990-8FFD-222AEA5F0282}" dt="2024-05-17T23:47:54.035" v="13" actId="20577"/>
+          <ac:spMkLst>
+            <pc:docMk/>
+            <pc:sldMk cId="2370908068" sldId="271"/>
+            <ac:spMk id="6" creationId="{6744C4A0-6FDA-184C-23E4-354698918999}"/>
+          </ac:spMkLst>
+        </pc:spChg>
+      </pc:sldChg>
+    </pc:docChg>
+  </pc:docChgLst>
 </pc:chgInfo>
 </file>
 
@@ -1527,7 +1657,7 @@
           <a:p>
             <a:fld id="{A0E10153-954E-4A8F-A722-5AC9ABA3901A}" type="datetimeFigureOut">
               <a:rPr lang="en-AU" smtClean="0"/>
-              <a:t>7/09/2022</a:t>
+              <a:t>17/05/2024</a:t>
             </a:fld>
             <a:endParaRPr lang="en-AU"/>
           </a:p>
@@ -2998,9 +3128,9 @@
           <a:bodyPr/>
           <a:lstStyle/>
           <a:p>
-            <a:fld id="{F2F84CA5-C4BF-41EB-82C3-5D239818879E}" type="datetime1">
+            <a:fld id="{2F88D517-DBB2-4332-945E-AD3C5BA5B888}" type="datetime1">
               <a:rPr lang="en-AU" smtClean="0"/>
-              <a:t>7/09/2022</a:t>
+              <a:t>17/05/2024</a:t>
             </a:fld>
             <a:endParaRPr lang="en-AU"/>
           </a:p>
@@ -3029,7 +3159,7 @@
           <a:p>
             <a:r>
               <a:rPr lang="en-US"/>
-              <a:t>CMPT 120, SFU Surrey, Fall 2022, Instructor: T. Donaldson</a:t>
+              <a:t>CMPT 120, SFU Burnaby, Fall 2024, Instructor: T. Donaldson</a:t>
             </a:r>
             <a:endParaRPr lang="en-AU"/>
           </a:p>
@@ -3202,9 +3332,9 @@
           <a:bodyPr/>
           <a:lstStyle/>
           <a:p>
-            <a:fld id="{73BE731D-3E9F-434C-835F-08BFF16C4B06}" type="datetime1">
+            <a:fld id="{0D8803F8-7D40-45E7-BA2A-220D92D7CE1A}" type="datetime1">
               <a:rPr lang="en-AU" smtClean="0"/>
-              <a:t>7/09/2022</a:t>
+              <a:t>17/05/2024</a:t>
             </a:fld>
             <a:endParaRPr lang="en-AU"/>
           </a:p>
@@ -3233,7 +3363,7 @@
           <a:p>
             <a:r>
               <a:rPr lang="en-US"/>
-              <a:t>CMPT 120, SFU Surrey, Fall 2022, Instructor: T. Donaldson</a:t>
+              <a:t>CMPT 120, SFU Burnaby, Fall 2024, Instructor: T. Donaldson</a:t>
             </a:r>
             <a:endParaRPr lang="en-AU"/>
           </a:p>
@@ -3416,9 +3546,9 @@
           <a:bodyPr/>
           <a:lstStyle/>
           <a:p>
-            <a:fld id="{B56A9F33-50C1-49E7-B3D8-979A5BFF0E31}" type="datetime1">
+            <a:fld id="{116CBFC2-4AFE-4460-A0F3-12919975E3A5}" type="datetime1">
               <a:rPr lang="en-AU" smtClean="0"/>
-              <a:t>7/09/2022</a:t>
+              <a:t>17/05/2024</a:t>
             </a:fld>
             <a:endParaRPr lang="en-AU"/>
           </a:p>
@@ -3447,7 +3577,7 @@
           <a:p>
             <a:r>
               <a:rPr lang="en-US"/>
-              <a:t>CMPT 120, SFU Surrey, Fall 2022, Instructor: T. Donaldson</a:t>
+              <a:t>CMPT 120, SFU Burnaby, Fall 2024, Instructor: T. Donaldson</a:t>
             </a:r>
             <a:endParaRPr lang="en-AU"/>
           </a:p>
@@ -3620,9 +3750,9 @@
           <a:bodyPr/>
           <a:lstStyle/>
           <a:p>
-            <a:fld id="{B4344617-2393-4F45-A848-12FCFDB15985}" type="datetime1">
+            <a:fld id="{6CA6E76A-F54E-4C13-B66A-BE7727C8D4EA}" type="datetime1">
               <a:rPr lang="en-AU" smtClean="0"/>
-              <a:t>7/09/2022</a:t>
+              <a:t>17/05/2024</a:t>
             </a:fld>
             <a:endParaRPr lang="en-AU"/>
           </a:p>
@@ -3651,7 +3781,7 @@
           <a:p>
             <a:r>
               <a:rPr lang="en-US"/>
-              <a:t>CMPT 120, SFU Surrey, Fall 2022, Instructor: T. Donaldson</a:t>
+              <a:t>CMPT 120, SFU Burnaby, Fall 2024, Instructor: T. Donaldson</a:t>
             </a:r>
             <a:endParaRPr lang="en-AU"/>
           </a:p>
@@ -3900,9 +4030,9 @@
           <a:bodyPr/>
           <a:lstStyle/>
           <a:p>
-            <a:fld id="{C63DB6EB-0A44-4551-A37E-C89C8233BCBF}" type="datetime1">
+            <a:fld id="{D5B27081-49D7-46AA-8800-66D1AE9542B1}" type="datetime1">
               <a:rPr lang="en-AU" smtClean="0"/>
-              <a:t>7/09/2022</a:t>
+              <a:t>17/05/2024</a:t>
             </a:fld>
             <a:endParaRPr lang="en-AU"/>
           </a:p>
@@ -3931,7 +4061,7 @@
           <a:p>
             <a:r>
               <a:rPr lang="en-US"/>
-              <a:t>CMPT 120, SFU Surrey, Fall 2022, Instructor: T. Donaldson</a:t>
+              <a:t>CMPT 120, SFU Burnaby, Fall 2024, Instructor: T. Donaldson</a:t>
             </a:r>
             <a:endParaRPr lang="en-AU"/>
           </a:p>
@@ -4172,9 +4302,9 @@
           <a:bodyPr/>
           <a:lstStyle/>
           <a:p>
-            <a:fld id="{AAA41971-2939-4365-90BC-B669740DAB45}" type="datetime1">
+            <a:fld id="{FF41084E-2C29-4B82-BFED-E0DC1103E2F9}" type="datetime1">
               <a:rPr lang="en-AU" smtClean="0"/>
-              <a:t>7/09/2022</a:t>
+              <a:t>17/05/2024</a:t>
             </a:fld>
             <a:endParaRPr lang="en-AU"/>
           </a:p>
@@ -4203,7 +4333,7 @@
           <a:p>
             <a:r>
               <a:rPr lang="en-US"/>
-              <a:t>CMPT 120, SFU Surrey, Fall 2022, Instructor: T. Donaldson</a:t>
+              <a:t>CMPT 120, SFU Burnaby, Fall 2024, Instructor: T. Donaldson</a:t>
             </a:r>
             <a:endParaRPr lang="en-AU"/>
           </a:p>
@@ -4591,9 +4721,9 @@
           <a:bodyPr/>
           <a:lstStyle/>
           <a:p>
-            <a:fld id="{F2B90813-9EE3-41DF-9F48-6F737FCE39B5}" type="datetime1">
+            <a:fld id="{B5945278-0D79-408C-ABD2-8FC7FF99DDDA}" type="datetime1">
               <a:rPr lang="en-AU" smtClean="0"/>
-              <a:t>7/09/2022</a:t>
+              <a:t>17/05/2024</a:t>
             </a:fld>
             <a:endParaRPr lang="en-AU"/>
           </a:p>
@@ -4622,7 +4752,7 @@
           <a:p>
             <a:r>
               <a:rPr lang="en-US"/>
-              <a:t>CMPT 120, SFU Surrey, Fall 2022, Instructor: T. Donaldson</a:t>
+              <a:t>CMPT 120, SFU Burnaby, Fall 2024, Instructor: T. Donaldson</a:t>
             </a:r>
             <a:endParaRPr lang="en-AU"/>
           </a:p>
@@ -4737,9 +4867,9 @@
           <a:bodyPr/>
           <a:lstStyle/>
           <a:p>
-            <a:fld id="{CCEB011C-8756-4E08-83A1-039B2567DF75}" type="datetime1">
+            <a:fld id="{B25F4824-001C-4BA8-80F6-D9AB060E0D56}" type="datetime1">
               <a:rPr lang="en-AU" smtClean="0"/>
-              <a:t>7/09/2022</a:t>
+              <a:t>17/05/2024</a:t>
             </a:fld>
             <a:endParaRPr lang="en-AU"/>
           </a:p>
@@ -4768,7 +4898,7 @@
           <a:p>
             <a:r>
               <a:rPr lang="en-US"/>
-              <a:t>CMPT 120, SFU Surrey, Fall 2022, Instructor: T. Donaldson</a:t>
+              <a:t>CMPT 120, SFU Burnaby, Fall 2024, Instructor: T. Donaldson</a:t>
             </a:r>
             <a:endParaRPr lang="en-AU"/>
           </a:p>
@@ -4854,9 +4984,9 @@
           <a:bodyPr/>
           <a:lstStyle/>
           <a:p>
-            <a:fld id="{D37FDC13-BED2-4108-977A-477DD4DCCB1C}" type="datetime1">
+            <a:fld id="{F154276F-9E52-4A18-8F2D-F5D79C5C39B8}" type="datetime1">
               <a:rPr lang="en-AU" smtClean="0"/>
-              <a:t>7/09/2022</a:t>
+              <a:t>17/05/2024</a:t>
             </a:fld>
             <a:endParaRPr lang="en-AU"/>
           </a:p>
@@ -4885,7 +5015,7 @@
           <a:p>
             <a:r>
               <a:rPr lang="en-US"/>
-              <a:t>CMPT 120, SFU Surrey, Fall 2022, Instructor: T. Donaldson</a:t>
+              <a:t>CMPT 120, SFU Burnaby, Fall 2024, Instructor: T. Donaldson</a:t>
             </a:r>
             <a:endParaRPr lang="en-AU"/>
           </a:p>
@@ -5171,9 +5301,9 @@
           <a:bodyPr/>
           <a:lstStyle/>
           <a:p>
-            <a:fld id="{0D564968-F737-4611-B524-AC06DB38C3EA}" type="datetime1">
+            <a:fld id="{7F4F97A6-D494-4F95-AEAE-6EE051B57900}" type="datetime1">
               <a:rPr lang="en-AU" smtClean="0"/>
-              <a:t>7/09/2022</a:t>
+              <a:t>17/05/2024</a:t>
             </a:fld>
             <a:endParaRPr lang="en-AU"/>
           </a:p>
@@ -5202,7 +5332,7 @@
           <a:p>
             <a:r>
               <a:rPr lang="en-US"/>
-              <a:t>CMPT 120, SFU Surrey, Fall 2022, Instructor: T. Donaldson</a:t>
+              <a:t>CMPT 120, SFU Burnaby, Fall 2024, Instructor: T. Donaldson</a:t>
             </a:r>
             <a:endParaRPr lang="en-AU"/>
           </a:p>
@@ -5464,9 +5594,9 @@
           <a:bodyPr/>
           <a:lstStyle/>
           <a:p>
-            <a:fld id="{2AA04788-1302-49D6-ADBC-10596C55F2F8}" type="datetime1">
+            <a:fld id="{F094FBA1-2132-4E79-84C3-971417F7A4B3}" type="datetime1">
               <a:rPr lang="en-AU" smtClean="0"/>
-              <a:t>7/09/2022</a:t>
+              <a:t>17/05/2024</a:t>
             </a:fld>
             <a:endParaRPr lang="en-AU"/>
           </a:p>
@@ -5495,7 +5625,7 @@
           <a:p>
             <a:r>
               <a:rPr lang="en-US"/>
-              <a:t>CMPT 120, SFU Surrey, Fall 2022, Instructor: T. Donaldson</a:t>
+              <a:t>CMPT 120, SFU Burnaby, Fall 2024, Instructor: T. Donaldson</a:t>
             </a:r>
             <a:endParaRPr lang="en-AU"/>
           </a:p>
@@ -5711,9 +5841,9 @@
             </a:lvl1pPr>
           </a:lstStyle>
           <a:p>
-            <a:fld id="{9632C296-5717-4D4C-BC58-45200E61BE7E}" type="datetime1">
+            <a:fld id="{2177AB6B-F43A-48BB-A6DE-16D3836505C7}" type="datetime1">
               <a:rPr lang="en-AU" smtClean="0"/>
-              <a:t>7/09/2022</a:t>
+              <a:t>17/05/2024</a:t>
             </a:fld>
             <a:endParaRPr lang="en-AU"/>
           </a:p>
@@ -5760,7 +5890,7 @@
           <a:p>
             <a:r>
               <a:rPr lang="en-US"/>
-              <a:t>CMPT 120, SFU Surrey, Fall 2022, Instructor: T. Donaldson</a:t>
+              <a:t>CMPT 120, SFU Burnaby, Fall 2024, Instructor: T. Donaldson</a:t>
             </a:r>
             <a:endParaRPr lang="en-AU"/>
           </a:p>
@@ -6187,7 +6317,7 @@
           <a:p>
             <a:r>
               <a:rPr lang="en-US"/>
-              <a:t>CMPT 120, SFU Surrey, Fall 2022, Instructor: T. Donaldson</a:t>
+              <a:t>CMPT 120, SFU Burnaby, Fall 2024, Instructor: T. Donaldson</a:t>
             </a:r>
             <a:endParaRPr lang="en-AU"/>
           </a:p>
@@ -6375,41 +6505,6 @@
       </p:sp>
       <p:sp>
         <p:nvSpPr>
-          <p:cNvPr id="8" name="TextBox 7">
-            <a:extLst>
-              <a:ext uri="{FF2B5EF4-FFF2-40B4-BE49-F238E27FC236}">
-                <a16:creationId xmlns:a16="http://schemas.microsoft.com/office/drawing/2014/main" id="{ABCA6657-EE10-F065-9708-622B02609F2F}"/>
-              </a:ext>
-            </a:extLst>
-          </p:cNvPr>
-          <p:cNvSpPr txBox="1"/>
-          <p:nvPr/>
-        </p:nvSpPr>
-        <p:spPr>
-          <a:xfrm>
-            <a:off x="8610600" y="4258153"/>
-            <a:ext cx="3477427" cy="369332"/>
-          </a:xfrm>
-          <a:prstGeom prst="rect">
-            <a:avLst/>
-          </a:prstGeom>
-          <a:noFill/>
-        </p:spPr>
-        <p:txBody>
-          <a:bodyPr wrap="none" rtlCol="0">
-            <a:spAutoFit/>
-          </a:bodyPr>
-          <a:lstStyle/>
-          <a:p>
-            <a:r>
-              <a:rPr lang="en-CA" dirty="0"/>
-              <a:t>What do you notice in this picture?</a:t>
-            </a:r>
-          </a:p>
-        </p:txBody>
-      </p:sp>
-      <p:sp>
-        <p:nvSpPr>
           <p:cNvPr id="3" name="TextBox 2">
             <a:extLst>
               <a:ext uri="{FF2B5EF4-FFF2-40B4-BE49-F238E27FC236}">
@@ -6439,7 +6534,7 @@
             <a:pPr algn="ctr"/>
             <a:r>
               <a:rPr lang="en-CA" sz="1800" dirty="0"/>
-              <a:t>Fall 2022</a:t>
+              <a:t>Fall 2024</a:t>
             </a:r>
             <a:br>
               <a:rPr lang="en-CA" sz="1800" dirty="0"/>
@@ -6664,21 +6759,16 @@
             <a:endParaRPr lang="en-CA" dirty="0"/>
           </a:p>
           <a:p>
-            <a:pPr marL="514350" indent="-514350">
-              <a:buFont typeface="+mj-lt"/>
-              <a:buAutoNum type="arabicPeriod"/>
+            <a:pPr marL="0" indent="0">
+              <a:buNone/>
             </a:pPr>
             <a:r>
+              <a:rPr lang="en-AU" b="1" dirty="0"/>
+              <a:t>The time it takes the programmer</a:t>
+            </a:r>
+            <a:r>
               <a:rPr lang="en-AU" dirty="0"/>
-              <a:t>Programs might run more slowly than other languages, but </a:t>
-            </a:r>
-            <a:r>
-              <a:rPr lang="en-AU" b="1" dirty="0"/>
-              <a:t>the time it takes the programmer</a:t>
-            </a:r>
-            <a:r>
-              <a:rPr lang="en-AU" dirty="0"/>
-              <a:t> to write them is often much less.</a:t>
+              <a:t> to write a Python program is often much less than with other languages. </a:t>
             </a:r>
           </a:p>
           <a:p>
@@ -6755,7 +6845,7 @@
           <a:p>
             <a:r>
               <a:rPr lang="en-US"/>
-              <a:t>CMPT 120, SFU Surrey, Fall 2022, Instructor: T. Donaldson</a:t>
+              <a:t>CMPT 120, SFU Burnaby, Fall 2024, Instructor: T. Donaldson</a:t>
             </a:r>
             <a:endParaRPr lang="en-AU"/>
           </a:p>
@@ -7471,7 +7561,7 @@
           <a:p>
             <a:r>
               <a:rPr lang="en-US"/>
-              <a:t>CMPT 120, SFU Surrey, Fall 2022, Instructor: T. Donaldson</a:t>
+              <a:t>CMPT 120, SFU Burnaby, Fall 2024, Instructor: T. Donaldson</a:t>
             </a:r>
             <a:endParaRPr lang="en-AU"/>
           </a:p>
@@ -7606,7 +7696,7 @@
           <a:p>
             <a:r>
               <a:rPr lang="en-US"/>
-              <a:t>CMPT 120, SFU Surrey, Fall 2022, Instructor: T. Donaldson</a:t>
+              <a:t>CMPT 120, SFU Burnaby, Fall 2024, Instructor: T. Donaldson</a:t>
             </a:r>
             <a:endParaRPr lang="en-AU"/>
           </a:p>
@@ -8244,8 +8334,8 @@
           <a:lstStyle/>
           <a:p>
             <a:r>
-              <a:rPr lang="en-US" dirty="0"/>
-              <a:t>CMPT 120, SFU Surrey, Fall 2022, Instructor: T. Donaldson</a:t>
+              <a:rPr lang="en-US"/>
+              <a:t>CMPT 120, SFU Burnaby, Fall 2024, Instructor: T. Donaldson</a:t>
             </a:r>
             <a:endParaRPr lang="en-AU" dirty="0"/>
           </a:p>
@@ -8309,10 +8399,10 @@
           <a:lstStyle/>
           <a:p>
             <a:r>
-              <a:rPr lang="en-CA" sz="1200" dirty="0">
+              <a:rPr lang="en-CA" sz="1200">
                 <a:hlinkClick r:id="rId4"/>
               </a:rPr>
-              <a:t>http://www.sfu.ca/students/calendar/2022/fall/courses/cmpt.html</a:t>
+              <a:t>http://www.sfu.ca/students/calendar/2024/fall/courses/cmpt.html</a:t>
             </a:r>
             <a:endParaRPr lang="en-CA" sz="1200" dirty="0"/>
           </a:p>
@@ -8716,7 +8806,7 @@
           <a:p>
             <a:r>
               <a:rPr lang="en-US"/>
-              <a:t>CMPT 120, SFU Surrey, Fall 2022, Instructor: T. Donaldson</a:t>
+              <a:t>CMPT 120, SFU Burnaby, Fall 2024, Instructor: T. Donaldson</a:t>
             </a:r>
             <a:endParaRPr lang="en-AU"/>
           </a:p>
@@ -9712,7 +9802,7 @@
             </a:r>
             <a:r>
               <a:rPr lang="en-CA" dirty="0"/>
-              <a:t>topics, like big data and computer graphics</a:t>
+              <a:t>topics, like algorithms and data processing</a:t>
             </a:r>
           </a:p>
           <a:p>
@@ -9772,7 +9862,7 @@
           <a:p>
             <a:r>
               <a:rPr lang="en-US"/>
-              <a:t>CMPT 120, SFU Surrey, Fall 2022, Instructor: T. Donaldson</a:t>
+              <a:t>CMPT 120, SFU Burnaby, Fall 2024, Instructor: T. Donaldson</a:t>
             </a:r>
             <a:endParaRPr lang="en-AU"/>
           </a:p>
@@ -10153,85 +10243,12 @@
           <a:chExt cx="0" cy="0"/>
         </a:xfrm>
       </p:grpSpPr>
-      <p:sp>
-        <p:nvSpPr>
-          <p:cNvPr id="2" name="Title 1">
-            <a:extLst>
-              <a:ext uri="{FF2B5EF4-FFF2-40B4-BE49-F238E27FC236}">
-                <a16:creationId xmlns:a16="http://schemas.microsoft.com/office/drawing/2014/main" id="{F2B8A598-9680-376C-E1D6-54A829476CFB}"/>
-              </a:ext>
-            </a:extLst>
-          </p:cNvPr>
-          <p:cNvSpPr>
-            <a:spLocks noGrp="1"/>
-          </p:cNvSpPr>
-          <p:nvPr>
-            <p:ph type="title"/>
-          </p:nvPr>
-        </p:nvSpPr>
-        <p:spPr>
-          <a:xfrm>
-            <a:off x="384775" y="2062482"/>
-            <a:ext cx="4614963" cy="1325563"/>
-          </a:xfrm>
-        </p:spPr>
-        <p:txBody>
-          <a:bodyPr/>
-          <a:lstStyle/>
-          <a:p>
-            <a:r>
-              <a:rPr lang="en-CA" dirty="0"/>
-              <a:t>Is Python Popular?</a:t>
-            </a:r>
-            <a:endParaRPr lang="en-AU" dirty="0"/>
-          </a:p>
-        </p:txBody>
-      </p:sp>
-      <p:sp>
-        <p:nvSpPr>
-          <p:cNvPr id="3" name="Content Placeholder 2">
-            <a:extLst>
-              <a:ext uri="{FF2B5EF4-FFF2-40B4-BE49-F238E27FC236}">
-                <a16:creationId xmlns:a16="http://schemas.microsoft.com/office/drawing/2014/main" id="{750B4E07-1F51-7A75-5ADD-878AD0E7F13F}"/>
-              </a:ext>
-            </a:extLst>
-          </p:cNvPr>
-          <p:cNvSpPr>
-            <a:spLocks noGrp="1"/>
-          </p:cNvSpPr>
-          <p:nvPr>
-            <p:ph idx="1"/>
-          </p:nvPr>
-        </p:nvSpPr>
-        <p:spPr>
-          <a:xfrm>
-            <a:off x="546681" y="3388045"/>
-            <a:ext cx="4291149" cy="1618570"/>
-          </a:xfrm>
-        </p:spPr>
-        <p:txBody>
-          <a:bodyPr>
-            <a:normAutofit/>
-          </a:bodyPr>
-          <a:lstStyle/>
-          <a:p>
-            <a:pPr marL="0" indent="0" algn="ctr">
-              <a:buNone/>
-            </a:pPr>
-            <a:r>
-              <a:rPr lang="en-CA" sz="9600" b="1" dirty="0"/>
-              <a:t>Yes!</a:t>
-            </a:r>
-            <a:endParaRPr lang="en-CA" sz="9600" dirty="0"/>
-          </a:p>
-        </p:txBody>
-      </p:sp>
       <p:pic>
         <p:nvPicPr>
-          <p:cNvPr id="5" name="Picture 4">
+          <p:cNvPr id="10" name="Picture 9">
             <a:extLst>
               <a:ext uri="{FF2B5EF4-FFF2-40B4-BE49-F238E27FC236}">
-                <a16:creationId xmlns:a16="http://schemas.microsoft.com/office/drawing/2014/main" id="{4BDA94C2-EDE1-0A41-4C52-C5552871B95E}"/>
+                <a16:creationId xmlns:a16="http://schemas.microsoft.com/office/drawing/2014/main" id="{D60E7A15-7C3F-AAD8-F22D-CA26B9AFDECA}"/>
               </a:ext>
             </a:extLst>
           </p:cNvPr>
@@ -10248,14 +10265,87 @@
         </p:blipFill>
         <p:spPr>
           <a:xfrm>
-            <a:off x="5724525" y="136525"/>
-            <a:ext cx="6354062" cy="5353797"/>
+            <a:off x="4837830" y="136525"/>
+            <a:ext cx="7020905" cy="5182323"/>
           </a:xfrm>
           <a:prstGeom prst="rect">
             <a:avLst/>
           </a:prstGeom>
         </p:spPr>
       </p:pic>
+      <p:sp>
+        <p:nvSpPr>
+          <p:cNvPr id="2" name="Title 1">
+            <a:extLst>
+              <a:ext uri="{FF2B5EF4-FFF2-40B4-BE49-F238E27FC236}">
+                <a16:creationId xmlns:a16="http://schemas.microsoft.com/office/drawing/2014/main" id="{F2B8A598-9680-376C-E1D6-54A829476CFB}"/>
+              </a:ext>
+            </a:extLst>
+          </p:cNvPr>
+          <p:cNvSpPr>
+            <a:spLocks noGrp="1"/>
+          </p:cNvSpPr>
+          <p:nvPr>
+            <p:ph type="title"/>
+          </p:nvPr>
+        </p:nvSpPr>
+        <p:spPr>
+          <a:xfrm>
+            <a:off x="384775" y="2062482"/>
+            <a:ext cx="4614963" cy="1325563"/>
+          </a:xfrm>
+        </p:spPr>
+        <p:txBody>
+          <a:bodyPr/>
+          <a:lstStyle/>
+          <a:p>
+            <a:r>
+              <a:rPr lang="en-CA" dirty="0"/>
+              <a:t>Is Python Popular?</a:t>
+            </a:r>
+            <a:endParaRPr lang="en-AU" dirty="0"/>
+          </a:p>
+        </p:txBody>
+      </p:sp>
+      <p:sp>
+        <p:nvSpPr>
+          <p:cNvPr id="3" name="Content Placeholder 2">
+            <a:extLst>
+              <a:ext uri="{FF2B5EF4-FFF2-40B4-BE49-F238E27FC236}">
+                <a16:creationId xmlns:a16="http://schemas.microsoft.com/office/drawing/2014/main" id="{750B4E07-1F51-7A75-5ADD-878AD0E7F13F}"/>
+              </a:ext>
+            </a:extLst>
+          </p:cNvPr>
+          <p:cNvSpPr>
+            <a:spLocks noGrp="1"/>
+          </p:cNvSpPr>
+          <p:nvPr>
+            <p:ph idx="1"/>
+          </p:nvPr>
+        </p:nvSpPr>
+        <p:spPr>
+          <a:xfrm>
+            <a:off x="546681" y="3388045"/>
+            <a:ext cx="4291149" cy="1618570"/>
+          </a:xfrm>
+        </p:spPr>
+        <p:txBody>
+          <a:bodyPr>
+            <a:normAutofit/>
+          </a:bodyPr>
+          <a:lstStyle/>
+          <a:p>
+            <a:pPr marL="0" indent="0" algn="ctr">
+              <a:buNone/>
+            </a:pPr>
+            <a:r>
+              <a:rPr lang="en-CA" sz="9600" b="1" dirty="0"/>
+              <a:t>Yes!</a:t>
+            </a:r>
+            <a:endParaRPr lang="en-CA" sz="9600" dirty="0"/>
+          </a:p>
+        </p:txBody>
+      </p:sp>
       <p:sp>
         <p:nvSpPr>
           <p:cNvPr id="6" name="TextBox 5">
@@ -10293,27 +10383,7 @@
                 <a:effectLst/>
                 <a:latin typeface="Helvetica Neue"/>
               </a:rPr>
-              <a:t>PYPL </a:t>
-            </a:r>
-            <a:r>
-              <a:rPr lang="en-US" b="0" i="0" dirty="0" err="1">
-                <a:solidFill>
-                  <a:srgbClr val="333333"/>
-                </a:solidFill>
-                <a:effectLst/>
-                <a:latin typeface="Helvetica Neue"/>
-              </a:rPr>
-              <a:t>PopularitY</a:t>
-            </a:r>
-            <a:r>
-              <a:rPr lang="en-US" b="0" i="0" dirty="0">
-                <a:solidFill>
-                  <a:srgbClr val="333333"/>
-                </a:solidFill>
-                <a:effectLst/>
-                <a:latin typeface="Helvetica Neue"/>
-              </a:rPr>
-              <a:t> of Programming Language</a:t>
+              <a:t>PYPL Popularity of Programming Language</a:t>
             </a:r>
           </a:p>
           <a:p>
@@ -10388,8 +10458,8 @@
           <a:lstStyle/>
           <a:p>
             <a:r>
-              <a:rPr lang="en-US" dirty="0"/>
-              <a:t>CMPT 120, SFU Surrey, Fall 2022, Instructor: T. Donaldson</a:t>
+              <a:rPr lang="en-US"/>
+              <a:t>CMPT 120, SFU Burnaby, Fall 2024, Instructor: T. Donaldson</a:t>
             </a:r>
             <a:endParaRPr lang="en-AU" dirty="0"/>
           </a:p>
@@ -10456,7 +10526,7 @@
         </p:nvSpPr>
         <p:spPr>
           <a:xfrm>
-            <a:off x="5877017" y="1038687"/>
+            <a:off x="5970881" y="937662"/>
             <a:ext cx="6201570" cy="479395"/>
           </a:xfrm>
           <a:prstGeom prst="ellipse">
@@ -10516,6 +10586,9 @@
                     <p:cTn id="3" fill="hold">
                       <p:stCondLst>
                         <p:cond delay="indefinite"/>
+                        <p:cond evt="onBegin" delay="0">
+                          <p:tn val="2"/>
+                        </p:cond>
                       </p:stCondLst>
                       <p:childTnLst>
                         <p:par>
@@ -10525,7 +10598,7 @@
                             </p:stCondLst>
                             <p:childTnLst>
                               <p:par>
-                                <p:cTn id="5" presetID="2" presetClass="entr" presetSubtype="4" fill="hold" nodeType="clickEffect">
+                                <p:cTn id="5" presetID="2" presetClass="entr" presetSubtype="4" fill="hold" grpId="0" nodeType="withEffect">
                                   <p:stCondLst>
                                     <p:cond delay="0"/>
                                   </p:stCondLst>
@@ -10538,7 +10611,7 @@
                                           </p:stCondLst>
                                         </p:cTn>
                                         <p:tgtEl>
-                                          <p:spTgt spid="5"/>
+                                          <p:spTgt spid="6"/>
                                         </p:tgtEl>
                                         <p:attrNameLst>
                                           <p:attrName>style.visibility</p:attrName>
@@ -10552,7 +10625,7 @@
                                       <p:cBhvr additive="base">
                                         <p:cTn id="7" dur="500" fill="hold"/>
                                         <p:tgtEl>
-                                          <p:spTgt spid="5"/>
+                                          <p:spTgt spid="6"/>
                                         </p:tgtEl>
                                         <p:attrNameLst>
                                           <p:attrName>ppt_x</p:attrName>
@@ -10575,7 +10648,7 @@
                                       <p:cBhvr additive="base">
                                         <p:cTn id="8" dur="500" fill="hold"/>
                                         <p:tgtEl>
-                                          <p:spTgt spid="5"/>
+                                          <p:spTgt spid="6"/>
                                         </p:tgtEl>
                                         <p:attrNameLst>
                                           <p:attrName>ppt_y</p:attrName>
@@ -10611,79 +10684,6 @@
                                           </p:stCondLst>
                                         </p:cTn>
                                         <p:tgtEl>
-                                          <p:spTgt spid="6"/>
-                                        </p:tgtEl>
-                                        <p:attrNameLst>
-                                          <p:attrName>style.visibility</p:attrName>
-                                        </p:attrNameLst>
-                                      </p:cBhvr>
-                                      <p:to>
-                                        <p:strVal val="visible"/>
-                                      </p:to>
-                                    </p:set>
-                                    <p:anim calcmode="lin" valueType="num">
-                                      <p:cBhvr additive="base">
-                                        <p:cTn id="11" dur="500" fill="hold"/>
-                                        <p:tgtEl>
-                                          <p:spTgt spid="6"/>
-                                        </p:tgtEl>
-                                        <p:attrNameLst>
-                                          <p:attrName>ppt_x</p:attrName>
-                                        </p:attrNameLst>
-                                      </p:cBhvr>
-                                      <p:tavLst>
-                                        <p:tav tm="0">
-                                          <p:val>
-                                            <p:strVal val="#ppt_x"/>
-                                          </p:val>
-                                        </p:tav>
-                                        <p:tav tm="100000">
-                                          <p:val>
-                                            <p:strVal val="#ppt_x"/>
-                                          </p:val>
-                                        </p:tav>
-                                      </p:tavLst>
-                                    </p:anim>
-                                    <p:anim calcmode="lin" valueType="num">
-                                      <p:cBhvr additive="base">
-                                        <p:cTn id="12" dur="500" fill="hold"/>
-                                        <p:tgtEl>
-                                          <p:spTgt spid="6"/>
-                                        </p:tgtEl>
-                                        <p:attrNameLst>
-                                          <p:attrName>ppt_y</p:attrName>
-                                        </p:attrNameLst>
-                                      </p:cBhvr>
-                                      <p:tavLst>
-                                        <p:tav tm="0">
-                                          <p:val>
-                                            <p:strVal val="1+#ppt_h/2"/>
-                                          </p:val>
-                                        </p:tav>
-                                        <p:tav tm="100000">
-                                          <p:val>
-                                            <p:strVal val="#ppt_y"/>
-                                          </p:val>
-                                        </p:tav>
-                                      </p:tavLst>
-                                    </p:anim>
-                                  </p:childTnLst>
-                                </p:cTn>
-                              </p:par>
-                              <p:par>
-                                <p:cTn id="13" presetID="2" presetClass="entr" presetSubtype="4" fill="hold" grpId="0" nodeType="withEffect">
-                                  <p:stCondLst>
-                                    <p:cond delay="0"/>
-                                  </p:stCondLst>
-                                  <p:childTnLst>
-                                    <p:set>
-                                      <p:cBhvr>
-                                        <p:cTn id="14" dur="1" fill="hold">
-                                          <p:stCondLst>
-                                            <p:cond delay="0"/>
-                                          </p:stCondLst>
-                                        </p:cTn>
-                                        <p:tgtEl>
                                           <p:spTgt spid="3">
                                             <p:txEl>
                                               <p:pRg st="0" end="0"/>
@@ -10700,7 +10700,7 @@
                                     </p:set>
                                     <p:anim calcmode="lin" valueType="num">
                                       <p:cBhvr additive="base">
-                                        <p:cTn id="15" dur="500" fill="hold"/>
+                                        <p:cTn id="11" dur="500" fill="hold"/>
                                         <p:tgtEl>
                                           <p:spTgt spid="3">
                                             <p:txEl>
@@ -10727,7 +10727,7 @@
                                     </p:anim>
                                     <p:anim calcmode="lin" valueType="num">
                                       <p:cBhvr additive="base">
-                                        <p:cTn id="16" dur="500" fill="hold"/>
+                                        <p:cTn id="12" dur="500" fill="hold"/>
                                         <p:tgtEl>
                                           <p:spTgt spid="3">
                                             <p:txEl>
@@ -10759,20 +10759,20 @@
                           </p:cTn>
                         </p:par>
                         <p:par>
-                          <p:cTn id="17" fill="hold">
+                          <p:cTn id="13" fill="hold">
                             <p:stCondLst>
                               <p:cond delay="500"/>
                             </p:stCondLst>
                             <p:childTnLst>
                               <p:par>
-                                <p:cTn id="18" presetID="10" presetClass="entr" presetSubtype="0" fill="hold" grpId="0" nodeType="afterEffect">
+                                <p:cTn id="14" presetID="10" presetClass="entr" presetSubtype="0" fill="hold" grpId="0" nodeType="afterEffect">
                                   <p:stCondLst>
                                     <p:cond delay="0"/>
                                   </p:stCondLst>
                                   <p:childTnLst>
                                     <p:set>
                                       <p:cBhvr>
-                                        <p:cTn id="19" dur="1" fill="hold">
+                                        <p:cTn id="15" dur="1" fill="hold">
                                           <p:stCondLst>
                                             <p:cond delay="0"/>
                                           </p:stCondLst>
@@ -10790,7 +10790,7 @@
                                     </p:set>
                                     <p:animEffect transition="in" filter="fade">
                                       <p:cBhvr>
-                                        <p:cTn id="20" dur="500"/>
+                                        <p:cTn id="16" dur="500"/>
                                         <p:tgtEl>
                                           <p:spTgt spid="4"/>
                                         </p:tgtEl>
@@ -11244,7 +11244,7 @@
           <a:p>
             <a:r>
               <a:rPr lang="en-US"/>
-              <a:t>CMPT 120, SFU Surrey, Fall 2022, Instructor: T. Donaldson</a:t>
+              <a:t>CMPT 120, SFU Burnaby, Fall 2024, Instructor: T. Donaldson</a:t>
             </a:r>
             <a:endParaRPr lang="en-AU"/>
           </a:p>
@@ -11651,7 +11651,7 @@
         <p:spPr>
           <a:xfrm>
             <a:off x="630732" y="2871560"/>
-            <a:ext cx="10515600" cy="4351338"/>
+            <a:ext cx="10515600" cy="2992691"/>
           </a:xfrm>
         </p:spPr>
         <p:txBody>
@@ -11765,7 +11765,7 @@
           <a:p>
             <a:r>
               <a:rPr lang="en-US"/>
-              <a:t>CMPT 120, SFU Surrey, Fall 2022, Instructor: T. Donaldson</a:t>
+              <a:t>CMPT 120, SFU Burnaby, Fall 2024, Instructor: T. Donaldson</a:t>
             </a:r>
             <a:endParaRPr lang="en-AU"/>
           </a:p>
@@ -12359,7 +12359,7 @@
           <a:p>
             <a:r>
               <a:rPr lang="en-US"/>
-              <a:t>CMPT 120, SFU Surrey, Fall 2022, Instructor: T. Donaldson</a:t>
+              <a:t>CMPT 120, SFU Burnaby, Fall 2024, Instructor: T. Donaldson</a:t>
             </a:r>
             <a:endParaRPr lang="en-AU"/>
           </a:p>
